--- a/Batch-11/Proff Lecture Material/16. IP Address.pptx
+++ b/Batch-11/Proff Lecture Material/16. IP Address.pptx
@@ -7,14 +7,14 @@
   <p:sldIdLst>
     <p:sldId id="256" r:id="rId2"/>
     <p:sldId id="257" r:id="rId3"/>
-    <p:sldId id="258" r:id="rId4"/>
-    <p:sldId id="259" r:id="rId5"/>
-    <p:sldId id="260" r:id="rId6"/>
-    <p:sldId id="261" r:id="rId7"/>
-    <p:sldId id="262" r:id="rId8"/>
-    <p:sldId id="263" r:id="rId9"/>
-    <p:sldId id="264" r:id="rId10"/>
-    <p:sldId id="265" r:id="rId11"/>
+    <p:sldId id="265" r:id="rId4"/>
+    <p:sldId id="258" r:id="rId5"/>
+    <p:sldId id="259" r:id="rId6"/>
+    <p:sldId id="263" r:id="rId7"/>
+    <p:sldId id="260" r:id="rId8"/>
+    <p:sldId id="261" r:id="rId9"/>
+    <p:sldId id="262" r:id="rId10"/>
+    <p:sldId id="264" r:id="rId11"/>
   </p:sldIdLst>
   <p:sldSz cx="9144000" cy="5143500" type="screen16x9"/>
   <p:notesSz cx="9144000" cy="5143500"/>
@@ -304,7 +304,7 @@
             <a:fld id="{1D8BD707-D9CF-40AE-B4C6-C98DA3205C09}" type="datetimeFigureOut">
               <a:rPr lang="en-US" smtClean="0"/>
               <a:pPr/>
-              <a:t>1/26/2023</a:t>
+              <a:t>5/23/2023</a:t>
             </a:fld>
             <a:endParaRPr lang="en-US"/>
           </a:p>
@@ -470,7 +470,7 @@
             <a:fld id="{1D8BD707-D9CF-40AE-B4C6-C98DA3205C09}" type="datetimeFigureOut">
               <a:rPr lang="en-US" smtClean="0"/>
               <a:pPr/>
-              <a:t>1/26/2023</a:t>
+              <a:t>5/23/2023</a:t>
             </a:fld>
             <a:endParaRPr lang="en-US"/>
           </a:p>
@@ -646,7 +646,7 @@
             <a:fld id="{1D8BD707-D9CF-40AE-B4C6-C98DA3205C09}" type="datetimeFigureOut">
               <a:rPr lang="en-US" smtClean="0"/>
               <a:pPr/>
-              <a:t>1/26/2023</a:t>
+              <a:t>5/23/2023</a:t>
             </a:fld>
             <a:endParaRPr lang="en-US"/>
           </a:p>
@@ -812,7 +812,7 @@
             <a:fld id="{1D8BD707-D9CF-40AE-B4C6-C98DA3205C09}" type="datetimeFigureOut">
               <a:rPr lang="en-US" smtClean="0"/>
               <a:pPr/>
-              <a:t>1/26/2023</a:t>
+              <a:t>5/23/2023</a:t>
             </a:fld>
             <a:endParaRPr lang="en-US"/>
           </a:p>
@@ -1055,7 +1055,7 @@
             <a:fld id="{1D8BD707-D9CF-40AE-B4C6-C98DA3205C09}" type="datetimeFigureOut">
               <a:rPr lang="en-US" smtClean="0"/>
               <a:pPr/>
-              <a:t>1/26/2023</a:t>
+              <a:t>5/23/2023</a:t>
             </a:fld>
             <a:endParaRPr lang="en-US"/>
           </a:p>
@@ -1320,7 +1320,7 @@
             <a:fld id="{1D8BD707-D9CF-40AE-B4C6-C98DA3205C09}" type="datetimeFigureOut">
               <a:rPr lang="en-US" smtClean="0"/>
               <a:pPr/>
-              <a:t>1/26/2023</a:t>
+              <a:t>5/23/2023</a:t>
             </a:fld>
             <a:endParaRPr lang="en-US"/>
           </a:p>
@@ -1699,7 +1699,7 @@
             <a:fld id="{1D8BD707-D9CF-40AE-B4C6-C98DA3205C09}" type="datetimeFigureOut">
               <a:rPr lang="en-US" smtClean="0"/>
               <a:pPr/>
-              <a:t>1/26/2023</a:t>
+              <a:t>5/23/2023</a:t>
             </a:fld>
             <a:endParaRPr lang="en-US"/>
           </a:p>
@@ -1850,7 +1850,7 @@
             <a:fld id="{1D8BD707-D9CF-40AE-B4C6-C98DA3205C09}" type="datetimeFigureOut">
               <a:rPr lang="en-US" smtClean="0"/>
               <a:pPr/>
-              <a:t>1/26/2023</a:t>
+              <a:t>5/23/2023</a:t>
             </a:fld>
             <a:endParaRPr lang="en-US"/>
           </a:p>
@@ -1942,7 +1942,7 @@
             <a:fld id="{1D8BD707-D9CF-40AE-B4C6-C98DA3205C09}" type="datetimeFigureOut">
               <a:rPr lang="en-US" smtClean="0"/>
               <a:pPr/>
-              <a:t>1/26/2023</a:t>
+              <a:t>5/23/2023</a:t>
             </a:fld>
             <a:endParaRPr lang="en-US"/>
           </a:p>
@@ -2204,7 +2204,7 @@
             <a:fld id="{1D8BD707-D9CF-40AE-B4C6-C98DA3205C09}" type="datetimeFigureOut">
               <a:rPr lang="en-US" smtClean="0"/>
               <a:pPr/>
-              <a:t>1/26/2023</a:t>
+              <a:t>5/23/2023</a:t>
             </a:fld>
             <a:endParaRPr lang="en-US"/>
           </a:p>
@@ -2493,7 +2493,7 @@
             <a:fld id="{1D8BD707-D9CF-40AE-B4C6-C98DA3205C09}" type="datetimeFigureOut">
               <a:rPr lang="en-US" smtClean="0"/>
               <a:pPr/>
-              <a:t>1/26/2023</a:t>
+              <a:t>5/23/2023</a:t>
             </a:fld>
             <a:endParaRPr lang="en-US"/>
           </a:p>
@@ -3264,7 +3264,7 @@
             <a:fld id="{1D8BD707-D9CF-40AE-B4C6-C98DA3205C09}" type="datetimeFigureOut">
               <a:rPr lang="en-US" smtClean="0"/>
               <a:pPr/>
-              <a:t>1/26/2023</a:t>
+              <a:t>5/23/2023</a:t>
             </a:fld>
             <a:endParaRPr lang="en-US"/>
           </a:p>
@@ -4138,8 +4138,8 @@
         </p:nvSpPr>
         <p:spPr>
           <a:xfrm>
-            <a:off x="690473" y="1352550"/>
-            <a:ext cx="4014470" cy="330835"/>
+            <a:off x="634695" y="716915"/>
+            <a:ext cx="2435860" cy="330835"/>
           </a:xfrm>
           <a:prstGeom prst="rect">
             <a:avLst/>
@@ -4165,43 +4165,162 @@
                   <a:schemeClr val="tx1"/>
                 </a:solidFill>
               </a:rPr>
-              <a:t>CIDR (Classless Inter-Domain Routing)</a:t>
-            </a:r>
-          </a:p>
-        </p:txBody>
-      </p:sp>
-      <p:sp>
-        <p:nvSpPr>
-          <p:cNvPr id="7" name="TextBox 6">
-            <a:extLst>
-              <a:ext uri="{FF2B5EF4-FFF2-40B4-BE49-F238E27FC236}">
-                <a16:creationId xmlns:a16="http://schemas.microsoft.com/office/drawing/2014/main" id="{150CA364-AA2B-F60C-24CB-531B6025751C}"/>
-              </a:ext>
-            </a:extLst>
-          </p:cNvPr>
+              <a:t>Reserved IP addresses:</a:t>
+            </a:r>
+            <a:endParaRPr sz="2000" b="1">
+              <a:solidFill>
+                <a:schemeClr val="tx1"/>
+              </a:solidFill>
+            </a:endParaRPr>
+          </a:p>
+        </p:txBody>
+      </p:sp>
+      <p:sp>
+        <p:nvSpPr>
+          <p:cNvPr id="3" name="object 3"/>
           <p:cNvSpPr txBox="1"/>
           <p:nvPr/>
         </p:nvSpPr>
         <p:spPr>
           <a:xfrm>
-            <a:off x="533400" y="2072813"/>
-            <a:ext cx="6327913" cy="646331"/>
+            <a:off x="636219" y="1116965"/>
+            <a:ext cx="8126730" cy="3867150"/>
           </a:xfrm>
           <a:prstGeom prst="rect">
             <a:avLst/>
           </a:prstGeom>
-          <a:noFill/>
         </p:spPr>
         <p:txBody>
-          <a:bodyPr wrap="square">
+          <a:bodyPr vert="horz" wrap="square" lIns="0" tIns="134620" rIns="0" bIns="0" rtlCol="0">
             <a:spAutoFit/>
           </a:bodyPr>
           <a:lstStyle/>
           <a:p>
-            <a:r>
-              <a:rPr lang="en-US" dirty="0"/>
-              <a:t>CIDR blocks are groups of addresses that share the same prefix and contain the same number of bits.</a:t>
-            </a:r>
+            <a:pPr marL="12700">
+              <a:lnSpc>
+                <a:spcPct val="100000"/>
+              </a:lnSpc>
+              <a:spcBef>
+                <a:spcPts val="1060"/>
+              </a:spcBef>
+            </a:pPr>
+            <a:r>
+              <a:rPr sz="1800" b="1" dirty="0">
+                <a:latin typeface="DejaVu Sans"/>
+                <a:cs typeface="DejaVu Sans"/>
+              </a:rPr>
+              <a:t>Loopback Addresses</a:t>
+            </a:r>
+            <a:endParaRPr sz="1800">
+              <a:latin typeface="DejaVu Sans"/>
+              <a:cs typeface="DejaVu Sans"/>
+            </a:endParaRPr>
+          </a:p>
+          <a:p>
+            <a:pPr marL="12700" marR="8255">
+              <a:lnSpc>
+                <a:spcPct val="106700"/>
+              </a:lnSpc>
+              <a:spcBef>
+                <a:spcPts val="815"/>
+              </a:spcBef>
+            </a:pPr>
+            <a:r>
+              <a:rPr sz="1800" dirty="0">
+                <a:latin typeface="DejaVu Sans"/>
+                <a:cs typeface="DejaVu Sans"/>
+              </a:rPr>
+              <a:t>The IP address range 127.0.0.0 – 127.255.255.255 is reserved for loopback, i.e. a Host’s  self-address, also known as localhost address.</a:t>
+            </a:r>
+            <a:endParaRPr sz="1800">
+              <a:latin typeface="DejaVu Sans"/>
+              <a:cs typeface="DejaVu Sans"/>
+            </a:endParaRPr>
+          </a:p>
+          <a:p>
+            <a:pPr marL="12700" marR="8255">
+              <a:lnSpc>
+                <a:spcPct val="106700"/>
+              </a:lnSpc>
+              <a:spcBef>
+                <a:spcPts val="815"/>
+              </a:spcBef>
+            </a:pPr>
+            <a:r>
+              <a:rPr sz="1800" dirty="0">
+                <a:latin typeface="DejaVu Sans"/>
+                <a:cs typeface="DejaVu Sans"/>
+              </a:rPr>
+              <a:t>Loopback addresses, enable the Server and Client processes on a single system to  communicate</a:t>
+            </a:r>
+            <a:endParaRPr sz="1800">
+              <a:latin typeface="DejaVu Sans"/>
+              <a:cs typeface="DejaVu Sans"/>
+            </a:endParaRPr>
+          </a:p>
+          <a:p>
+            <a:pPr>
+              <a:lnSpc>
+                <a:spcPct val="100000"/>
+              </a:lnSpc>
+            </a:pPr>
+            <a:endParaRPr sz="1800">
+              <a:latin typeface="DejaVu Sans"/>
+              <a:cs typeface="DejaVu Sans"/>
+            </a:endParaRPr>
+          </a:p>
+          <a:p>
+            <a:pPr>
+              <a:lnSpc>
+                <a:spcPct val="100000"/>
+              </a:lnSpc>
+              <a:spcBef>
+                <a:spcPts val="55"/>
+              </a:spcBef>
+            </a:pPr>
+            <a:endParaRPr sz="1650">
+              <a:latin typeface="DejaVu Sans"/>
+              <a:cs typeface="DejaVu Sans"/>
+            </a:endParaRPr>
+          </a:p>
+          <a:p>
+            <a:pPr marL="12700" algn="just">
+              <a:lnSpc>
+                <a:spcPct val="100000"/>
+              </a:lnSpc>
+            </a:pPr>
+            <a:r>
+              <a:rPr sz="1800" b="1" dirty="0">
+                <a:latin typeface="DejaVu Sans"/>
+                <a:cs typeface="DejaVu Sans"/>
+              </a:rPr>
+              <a:t>Link-Local Addresses</a:t>
+            </a:r>
+            <a:endParaRPr sz="1800">
+              <a:latin typeface="DejaVu Sans"/>
+              <a:cs typeface="DejaVu Sans"/>
+            </a:endParaRPr>
+          </a:p>
+          <a:p>
+            <a:pPr marL="12700" marR="5080" algn="just">
+              <a:lnSpc>
+                <a:spcPct val="107100"/>
+              </a:lnSpc>
+              <a:spcBef>
+                <a:spcPts val="795"/>
+              </a:spcBef>
+            </a:pPr>
+            <a:r>
+              <a:rPr sz="1800" dirty="0">
+                <a:latin typeface="DejaVu Sans"/>
+                <a:cs typeface="DejaVu Sans"/>
+              </a:rPr>
+              <a:t>In case a host is not able to acquire an IP address from the DHCP server and it has not  been assigned any IP address manually, the host can assign itself an IP address from a  range of reserved Link-local addresses. Link local address ranges from 169.254.0.0 --  169.254.255.255.</a:t>
+            </a:r>
+            <a:endParaRPr sz="1800">
+              <a:latin typeface="DejaVu Sans"/>
+              <a:cs typeface="DejaVu Sans"/>
+            </a:endParaRPr>
           </a:p>
         </p:txBody>
       </p:sp>
@@ -4510,15 +4629,15 @@
         </p:nvSpPr>
         <p:spPr>
           <a:xfrm>
-            <a:off x="2971800" y="710580"/>
-            <a:ext cx="2971800" cy="627736"/>
+            <a:off x="690473" y="1352550"/>
+            <a:ext cx="4014470" cy="330835"/>
           </a:xfrm>
           <a:prstGeom prst="rect">
             <a:avLst/>
           </a:prstGeom>
         </p:spPr>
         <p:txBody>
-          <a:bodyPr vert="horz" wrap="square" lIns="0" tIns="12065" rIns="0" bIns="0" rtlCol="0">
+          <a:bodyPr vert="horz" wrap="square" lIns="0" tIns="13335" rIns="0" bIns="0" rtlCol="0">
             <a:spAutoFit/>
           </a:bodyPr>
           <a:lstStyle/>
@@ -4528,548 +4647,52 @@
                 <a:spcPct val="100000"/>
               </a:lnSpc>
               <a:spcBef>
-                <a:spcPts val="95"/>
+                <a:spcPts val="105"/>
               </a:spcBef>
             </a:pPr>
             <a:r>
-              <a:rPr sz="4000" b="1" spc="-10" dirty="0">
+              <a:rPr sz="2000" b="1" dirty="0">
                 <a:solidFill>
                   <a:schemeClr val="tx1"/>
                 </a:solidFill>
-                <a:latin typeface="Nimbus Sans L"/>
-                <a:cs typeface="Nimbus Sans L"/>
-              </a:rPr>
-              <a:t>Subnet</a:t>
-            </a:r>
-            <a:r>
-              <a:rPr sz="4000" b="1" spc="-25" dirty="0">
-                <a:solidFill>
-                  <a:schemeClr val="tx1"/>
-                </a:solidFill>
-                <a:latin typeface="Nimbus Sans L"/>
-                <a:cs typeface="Nimbus Sans L"/>
-              </a:rPr>
-              <a:t> </a:t>
-            </a:r>
-            <a:r>
-              <a:rPr sz="4000" b="1" spc="-5" dirty="0">
-                <a:solidFill>
-                  <a:schemeClr val="tx1"/>
-                </a:solidFill>
-                <a:latin typeface="Nimbus Sans L"/>
-                <a:cs typeface="Nimbus Sans L"/>
-              </a:rPr>
-              <a:t>mask</a:t>
-            </a:r>
-            <a:endParaRPr sz="4000" b="1" dirty="0">
-              <a:solidFill>
-                <a:schemeClr val="tx1"/>
-              </a:solidFill>
-              <a:latin typeface="Nimbus Sans L"/>
-              <a:cs typeface="Nimbus Sans L"/>
-            </a:endParaRPr>
-          </a:p>
-        </p:txBody>
-      </p:sp>
-      <p:sp>
-        <p:nvSpPr>
-          <p:cNvPr id="3" name="object 3"/>
+              </a:rPr>
+              <a:t>CIDR (Classless Inter-Domain Routing)</a:t>
+            </a:r>
+          </a:p>
+        </p:txBody>
+      </p:sp>
+      <p:sp>
+        <p:nvSpPr>
+          <p:cNvPr id="7" name="TextBox 6">
+            <a:extLst>
+              <a:ext uri="{FF2B5EF4-FFF2-40B4-BE49-F238E27FC236}">
+                <a16:creationId xmlns:a16="http://schemas.microsoft.com/office/drawing/2014/main" id="{150CA364-AA2B-F60C-24CB-531B6025751C}"/>
+              </a:ext>
+            </a:extLst>
+          </p:cNvPr>
           <p:cNvSpPr txBox="1"/>
           <p:nvPr/>
         </p:nvSpPr>
         <p:spPr>
           <a:xfrm>
-            <a:off x="618540" y="1610995"/>
-            <a:ext cx="7116445" cy="2821925"/>
+            <a:off x="533400" y="2072813"/>
+            <a:ext cx="6327913" cy="646331"/>
           </a:xfrm>
           <a:prstGeom prst="rect">
             <a:avLst/>
           </a:prstGeom>
+          <a:noFill/>
         </p:spPr>
         <p:txBody>
-          <a:bodyPr vert="horz" wrap="square" lIns="0" tIns="33019" rIns="0" bIns="0" rtlCol="0">
+          <a:bodyPr wrap="square">
             <a:spAutoFit/>
           </a:bodyPr>
           <a:lstStyle/>
           <a:p>
-            <a:pPr marL="12700" marR="5080" algn="just">
-              <a:lnSpc>
-                <a:spcPct val="92600"/>
-              </a:lnSpc>
-              <a:spcBef>
-                <a:spcPts val="259"/>
-              </a:spcBef>
-            </a:pPr>
-            <a:r>
-              <a:rPr sz="1800" spc="-5" dirty="0">
-                <a:latin typeface="Nimbus Sans L"/>
-                <a:cs typeface="Nimbus Sans L"/>
-              </a:rPr>
-              <a:t>Subnet </a:t>
-            </a:r>
-            <a:r>
-              <a:rPr sz="1800" dirty="0">
-                <a:latin typeface="Nimbus Sans L"/>
-                <a:cs typeface="Nimbus Sans L"/>
-              </a:rPr>
-              <a:t>mask </a:t>
-            </a:r>
-            <a:r>
-              <a:rPr sz="1800" spc="-5" dirty="0">
-                <a:latin typeface="Nimbus Sans L"/>
-                <a:cs typeface="Nimbus Sans L"/>
-              </a:rPr>
-              <a:t>also is </a:t>
-            </a:r>
-            <a:r>
-              <a:rPr sz="1800" dirty="0">
-                <a:latin typeface="Nimbus Sans L"/>
-                <a:cs typeface="Nimbus Sans L"/>
-              </a:rPr>
-              <a:t>32 </a:t>
-            </a:r>
-            <a:r>
-              <a:rPr sz="1800" spc="-5" dirty="0">
-                <a:latin typeface="Nimbus Sans L"/>
-                <a:cs typeface="Nimbus Sans L"/>
-              </a:rPr>
-              <a:t>bit </a:t>
-            </a:r>
-            <a:r>
-              <a:rPr sz="1800" spc="-20" dirty="0">
-                <a:latin typeface="Nimbus Sans L"/>
-                <a:cs typeface="Nimbus Sans L"/>
-              </a:rPr>
-              <a:t>number, </a:t>
-            </a:r>
-            <a:r>
-              <a:rPr sz="1800" dirty="0">
-                <a:latin typeface="Nimbus Sans L"/>
-                <a:cs typeface="Nimbus Sans L"/>
-              </a:rPr>
-              <a:t>every IP </a:t>
-            </a:r>
-            <a:r>
-              <a:rPr sz="1800" spc="-5" dirty="0">
-                <a:latin typeface="Nimbus Sans L"/>
-                <a:cs typeface="Nimbus Sans L"/>
-              </a:rPr>
-              <a:t>address </a:t>
-            </a:r>
-            <a:r>
-              <a:rPr sz="1800" dirty="0">
-                <a:latin typeface="Nimbus Sans L"/>
-                <a:cs typeface="Nimbus Sans L"/>
-              </a:rPr>
-              <a:t>has its own  </a:t>
-            </a:r>
-            <a:r>
-              <a:rPr sz="1800" spc="-5" dirty="0">
-                <a:latin typeface="Nimbus Sans L"/>
-                <a:cs typeface="Nimbus Sans L"/>
-              </a:rPr>
-              <a:t>subnet mask. Subnet </a:t>
-            </a:r>
-            <a:r>
-              <a:rPr sz="1800" dirty="0">
-                <a:latin typeface="Nimbus Sans L"/>
-                <a:cs typeface="Nimbus Sans L"/>
-              </a:rPr>
-              <a:t>mask </a:t>
-            </a:r>
-            <a:r>
-              <a:rPr sz="1800" spc="-5" dirty="0">
-                <a:latin typeface="Nimbus Sans L"/>
-                <a:cs typeface="Nimbus Sans L"/>
-              </a:rPr>
-              <a:t>helps </a:t>
-            </a:r>
-            <a:r>
-              <a:rPr sz="1800" dirty="0">
-                <a:latin typeface="Nimbus Sans L"/>
-                <a:cs typeface="Nimbus Sans L"/>
-              </a:rPr>
-              <a:t>to </a:t>
-            </a:r>
-            <a:r>
-              <a:rPr sz="1800" spc="-20" dirty="0">
-                <a:latin typeface="Nimbus Sans L"/>
-                <a:cs typeface="Nimbus Sans L"/>
-              </a:rPr>
-              <a:t>identify, </a:t>
-            </a:r>
-            <a:r>
-              <a:rPr sz="1800" dirty="0">
-                <a:latin typeface="Nimbus Sans L"/>
-                <a:cs typeface="Nimbus Sans L"/>
-              </a:rPr>
-              <a:t>how many bits </a:t>
-            </a:r>
-            <a:r>
-              <a:rPr sz="1800" spc="-5" dirty="0">
-                <a:latin typeface="Nimbus Sans L"/>
-                <a:cs typeface="Nimbus Sans L"/>
-              </a:rPr>
-              <a:t>out of 32  belongs </a:t>
-            </a:r>
-            <a:r>
-              <a:rPr sz="1800" dirty="0">
-                <a:latin typeface="Nimbus Sans L"/>
-                <a:cs typeface="Nimbus Sans L"/>
-              </a:rPr>
-              <a:t>to </a:t>
-            </a:r>
-            <a:r>
-              <a:rPr sz="1800" spc="-10" dirty="0">
-                <a:latin typeface="Nimbus Sans L"/>
-                <a:cs typeface="Nimbus Sans L"/>
-              </a:rPr>
-              <a:t>network </a:t>
-            </a:r>
-            <a:r>
-              <a:rPr sz="1800" spc="-5" dirty="0">
-                <a:latin typeface="Nimbus Sans L"/>
-                <a:cs typeface="Nimbus Sans L"/>
-              </a:rPr>
-              <a:t>and how many bits belong </a:t>
-            </a:r>
-            <a:r>
-              <a:rPr sz="1800" dirty="0">
-                <a:latin typeface="Nimbus Sans L"/>
-                <a:cs typeface="Nimbus Sans L"/>
-              </a:rPr>
-              <a:t>to</a:t>
-            </a:r>
-            <a:r>
-              <a:rPr sz="1800" spc="120" dirty="0">
-                <a:latin typeface="Nimbus Sans L"/>
-                <a:cs typeface="Nimbus Sans L"/>
-              </a:rPr>
-              <a:t> </a:t>
-            </a:r>
-            <a:r>
-              <a:rPr sz="1800" spc="-5" dirty="0">
-                <a:latin typeface="Nimbus Sans L"/>
-                <a:cs typeface="Nimbus Sans L"/>
-              </a:rPr>
-              <a:t>host.</a:t>
-            </a:r>
-            <a:endParaRPr sz="1800" dirty="0">
-              <a:latin typeface="Nimbus Sans L"/>
-              <a:cs typeface="Nimbus Sans L"/>
-            </a:endParaRPr>
-          </a:p>
-          <a:p>
-            <a:pPr>
-              <a:lnSpc>
-                <a:spcPct val="100000"/>
-              </a:lnSpc>
-              <a:spcBef>
-                <a:spcPts val="15"/>
-              </a:spcBef>
-            </a:pPr>
-            <a:endParaRPr sz="2900" dirty="0">
-              <a:latin typeface="Nimbus Sans L"/>
-              <a:cs typeface="Nimbus Sans L"/>
-            </a:endParaRPr>
-          </a:p>
-          <a:p>
-            <a:pPr marL="12700" marR="5080" algn="just">
-              <a:lnSpc>
-                <a:spcPct val="92500"/>
-              </a:lnSpc>
-            </a:pPr>
-            <a:r>
-              <a:rPr sz="1800" dirty="0">
-                <a:latin typeface="Nimbus Sans L"/>
-                <a:cs typeface="Nimbus Sans L"/>
-              </a:rPr>
-              <a:t>This </a:t>
-            </a:r>
-            <a:r>
-              <a:rPr sz="1800" spc="-50" dirty="0">
-                <a:latin typeface="Nimbus Sans L"/>
-                <a:cs typeface="Nimbus Sans L"/>
-              </a:rPr>
-              <a:t>way, </a:t>
-            </a:r>
-            <a:r>
-              <a:rPr sz="1800" dirty="0">
-                <a:latin typeface="Nimbus Sans L"/>
-                <a:cs typeface="Nimbus Sans L"/>
-              </a:rPr>
-              <a:t>the </a:t>
-            </a:r>
-            <a:r>
-              <a:rPr sz="1800" spc="-10" dirty="0">
-                <a:latin typeface="Nimbus Sans L"/>
-                <a:cs typeface="Nimbus Sans L"/>
-              </a:rPr>
-              <a:t>subnet </a:t>
-            </a:r>
-            <a:r>
-              <a:rPr sz="1800" spc="-5" dirty="0">
-                <a:latin typeface="Nimbus Sans L"/>
-                <a:cs typeface="Nimbus Sans L"/>
-              </a:rPr>
-              <a:t>mask is used </a:t>
-            </a:r>
-            <a:r>
-              <a:rPr sz="1800" dirty="0">
-                <a:latin typeface="Nimbus Sans L"/>
-                <a:cs typeface="Nimbus Sans L"/>
-              </a:rPr>
-              <a:t>by the TCP/IP </a:t>
-            </a:r>
-            <a:r>
-              <a:rPr sz="1800" spc="-5" dirty="0">
-                <a:latin typeface="Nimbus Sans L"/>
-                <a:cs typeface="Nimbus Sans L"/>
-              </a:rPr>
-              <a:t>protocol </a:t>
-            </a:r>
-            <a:r>
-              <a:rPr sz="1800" dirty="0">
-                <a:latin typeface="Nimbus Sans L"/>
-                <a:cs typeface="Nimbus Sans L"/>
-              </a:rPr>
-              <a:t>to </a:t>
-            </a:r>
-            <a:r>
-              <a:rPr sz="1800" spc="-5" dirty="0">
-                <a:latin typeface="Nimbus Sans L"/>
-                <a:cs typeface="Nimbus Sans L"/>
-              </a:rPr>
-              <a:t>determine whether </a:t>
-            </a:r>
-            <a:r>
-              <a:rPr sz="1800" dirty="0">
-                <a:latin typeface="Nimbus Sans L"/>
-                <a:cs typeface="Nimbus Sans L"/>
-              </a:rPr>
-              <a:t>a </a:t>
-            </a:r>
-            <a:r>
-              <a:rPr sz="1800" spc="-5" dirty="0">
-                <a:latin typeface="Nimbus Sans L"/>
-                <a:cs typeface="Nimbus Sans L"/>
-              </a:rPr>
-              <a:t>host </a:t>
-            </a:r>
-            <a:r>
-              <a:rPr sz="1800" dirty="0">
-                <a:latin typeface="Nimbus Sans L"/>
-                <a:cs typeface="Nimbus Sans L"/>
-              </a:rPr>
-              <a:t>is </a:t>
-            </a:r>
-            <a:r>
-              <a:rPr sz="1800" spc="-5" dirty="0">
-                <a:latin typeface="Nimbus Sans L"/>
-                <a:cs typeface="Nimbus Sans L"/>
-              </a:rPr>
-              <a:t>on </a:t>
-            </a:r>
-            <a:r>
-              <a:rPr sz="1800" dirty="0">
-                <a:latin typeface="Nimbus Sans L"/>
-                <a:cs typeface="Nimbus Sans L"/>
-              </a:rPr>
-              <a:t>the </a:t>
-            </a:r>
-            <a:r>
-              <a:rPr sz="1800" spc="-5" dirty="0">
-                <a:latin typeface="Nimbus Sans L"/>
-                <a:cs typeface="Nimbus Sans L"/>
-              </a:rPr>
-              <a:t>local subnet or on </a:t>
-            </a:r>
-            <a:r>
-              <a:rPr sz="1800" dirty="0">
-                <a:latin typeface="Nimbus Sans L"/>
-                <a:cs typeface="Nimbus Sans L"/>
-              </a:rPr>
-              <a:t>a </a:t>
-            </a:r>
-            <a:r>
-              <a:rPr sz="1800" spc="-5" dirty="0">
-                <a:latin typeface="Nimbus Sans L"/>
-                <a:cs typeface="Nimbus Sans L"/>
-              </a:rPr>
-              <a:t>remote  </a:t>
-            </a:r>
-            <a:r>
-              <a:rPr sz="1800" spc="-10" dirty="0">
-                <a:latin typeface="Nimbus Sans L"/>
-                <a:cs typeface="Nimbus Sans L"/>
-              </a:rPr>
-              <a:t>network.</a:t>
-            </a:r>
-            <a:endParaRPr sz="1800" dirty="0">
-              <a:latin typeface="Nimbus Sans L"/>
-              <a:cs typeface="Nimbus Sans L"/>
-            </a:endParaRPr>
-          </a:p>
-          <a:p>
-            <a:pPr>
-              <a:lnSpc>
-                <a:spcPct val="100000"/>
-              </a:lnSpc>
-              <a:spcBef>
-                <a:spcPts val="40"/>
-              </a:spcBef>
-            </a:pPr>
-            <a:endParaRPr sz="2750" dirty="0">
-              <a:latin typeface="Nimbus Sans L"/>
-              <a:cs typeface="Nimbus Sans L"/>
-            </a:endParaRPr>
-          </a:p>
-          <a:p>
-            <a:pPr marL="12700" algn="just">
-              <a:lnSpc>
-                <a:spcPct val="100000"/>
-              </a:lnSpc>
-            </a:pPr>
-            <a:r>
-              <a:rPr sz="1800" spc="-5" dirty="0">
-                <a:latin typeface="Nimbus Sans L"/>
-                <a:cs typeface="Nimbus Sans L"/>
-              </a:rPr>
-              <a:t>IPv4 are divided into </a:t>
-            </a:r>
-            <a:r>
-              <a:rPr sz="1800" dirty="0">
-                <a:latin typeface="Nimbus Sans L"/>
-                <a:cs typeface="Nimbus Sans L"/>
-              </a:rPr>
-              <a:t>5 </a:t>
-            </a:r>
-            <a:r>
-              <a:rPr sz="1800" spc="-5" dirty="0">
-                <a:latin typeface="Nimbus Sans L"/>
-                <a:cs typeface="Nimbus Sans L"/>
-              </a:rPr>
-              <a:t>classes such as Class A, </a:t>
-            </a:r>
-            <a:r>
-              <a:rPr sz="1800" dirty="0">
-                <a:latin typeface="Nimbus Sans L"/>
-                <a:cs typeface="Nimbus Sans L"/>
-              </a:rPr>
-              <a:t>B, </a:t>
-            </a:r>
-            <a:r>
-              <a:rPr sz="1800" spc="-5" dirty="0">
-                <a:latin typeface="Nimbus Sans L"/>
-                <a:cs typeface="Nimbus Sans L"/>
-              </a:rPr>
-              <a:t>C, </a:t>
-            </a:r>
-            <a:r>
-              <a:rPr sz="1800" dirty="0">
-                <a:latin typeface="Nimbus Sans L"/>
-                <a:cs typeface="Nimbus Sans L"/>
-              </a:rPr>
-              <a:t>D </a:t>
-            </a:r>
-            <a:r>
-              <a:rPr sz="1800" spc="-10" dirty="0">
-                <a:latin typeface="Nimbus Sans L"/>
-                <a:cs typeface="Nimbus Sans L"/>
-              </a:rPr>
-              <a:t>and</a:t>
-            </a:r>
-            <a:r>
-              <a:rPr sz="1800" spc="-40" dirty="0">
-                <a:latin typeface="Nimbus Sans L"/>
-                <a:cs typeface="Nimbus Sans L"/>
-              </a:rPr>
-              <a:t> </a:t>
-            </a:r>
-            <a:r>
-              <a:rPr sz="1800" dirty="0">
-                <a:latin typeface="Nimbus Sans L"/>
-                <a:cs typeface="Nimbus Sans L"/>
-              </a:rPr>
-              <a:t>E</a:t>
-            </a:r>
-          </a:p>
-          <a:p>
-            <a:pPr marL="12700" algn="just">
-              <a:lnSpc>
-                <a:spcPct val="100000"/>
-              </a:lnSpc>
-              <a:spcBef>
-                <a:spcPts val="635"/>
-              </a:spcBef>
-            </a:pPr>
-            <a:r>
-              <a:rPr sz="1800" spc="-5" dirty="0">
-                <a:latin typeface="Nimbus Sans L"/>
-                <a:cs typeface="Nimbus Sans L"/>
-              </a:rPr>
-              <a:t>Class A, </a:t>
-            </a:r>
-            <a:r>
-              <a:rPr sz="1800" dirty="0">
-                <a:latin typeface="Nimbus Sans L"/>
-                <a:cs typeface="Nimbus Sans L"/>
-              </a:rPr>
-              <a:t>B </a:t>
-            </a:r>
-            <a:r>
-              <a:rPr sz="1800" spc="-5" dirty="0">
-                <a:latin typeface="Nimbus Sans L"/>
-                <a:cs typeface="Nimbus Sans L"/>
-              </a:rPr>
-              <a:t>and </a:t>
-            </a:r>
-            <a:r>
-              <a:rPr sz="1800" dirty="0">
-                <a:latin typeface="Nimbus Sans L"/>
-                <a:cs typeface="Nimbus Sans L"/>
-              </a:rPr>
-              <a:t>C are </a:t>
-            </a:r>
-            <a:r>
-              <a:rPr sz="1800" spc="-5" dirty="0">
-                <a:latin typeface="Nimbus Sans L"/>
-                <a:cs typeface="Nimbus Sans L"/>
-              </a:rPr>
-              <a:t>used </a:t>
-            </a:r>
-            <a:r>
-              <a:rPr sz="1800" dirty="0">
-                <a:latin typeface="Nimbus Sans L"/>
-                <a:cs typeface="Nimbus Sans L"/>
-              </a:rPr>
-              <a:t>for </a:t>
-            </a:r>
-            <a:r>
-              <a:rPr sz="1800" spc="-5" dirty="0">
-                <a:latin typeface="Nimbus Sans L"/>
-                <a:cs typeface="Nimbus Sans L"/>
-              </a:rPr>
-              <a:t>commercial</a:t>
-            </a:r>
-            <a:r>
-              <a:rPr sz="1800" spc="-75" dirty="0">
-                <a:latin typeface="Nimbus Sans L"/>
-                <a:cs typeface="Nimbus Sans L"/>
-              </a:rPr>
-              <a:t> </a:t>
-            </a:r>
-            <a:r>
-              <a:rPr sz="1800" spc="-5" dirty="0">
-                <a:latin typeface="Nimbus Sans L"/>
-                <a:cs typeface="Nimbus Sans L"/>
-              </a:rPr>
-              <a:t>purposes.</a:t>
-            </a:r>
-            <a:endParaRPr sz="1800" dirty="0">
-              <a:latin typeface="Nimbus Sans L"/>
-              <a:cs typeface="Nimbus Sans L"/>
-            </a:endParaRPr>
+            <a:r>
+              <a:rPr lang="en-US" dirty="0"/>
+              <a:t>CIDR blocks are groups of addresses that share the same prefix and contain the same number of bits.</a:t>
+            </a:r>
           </a:p>
         </p:txBody>
       </p:sp>
@@ -5101,49 +4724,24 @@
       <p:sp>
         <p:nvSpPr>
           <p:cNvPr id="2" name="object 2"/>
-          <p:cNvSpPr/>
-          <p:nvPr/>
+          <p:cNvSpPr txBox="1">
+            <a:spLocks noGrp="1"/>
+          </p:cNvSpPr>
+          <p:nvPr>
+            <p:ph type="title"/>
+          </p:nvPr>
         </p:nvSpPr>
         <p:spPr>
           <a:xfrm>
-            <a:off x="1377696" y="1039368"/>
-            <a:ext cx="6388608" cy="4104132"/>
-          </a:xfrm>
-          <a:prstGeom prst="rect">
-            <a:avLst/>
-          </a:prstGeom>
-          <a:blipFill>
-            <a:blip r:embed="rId2" cstate="print"/>
-            <a:stretch>
-              <a:fillRect/>
-            </a:stretch>
-          </a:blipFill>
-        </p:spPr>
-        <p:txBody>
-          <a:bodyPr wrap="square" lIns="0" tIns="0" rIns="0" bIns="0" rtlCol="0"/>
-          <a:lstStyle/>
-          <a:p>
-            <a:endParaRPr/>
-          </a:p>
-        </p:txBody>
-      </p:sp>
-      <p:sp>
-        <p:nvSpPr>
-          <p:cNvPr id="3" name="object 3"/>
-          <p:cNvSpPr txBox="1"/>
-          <p:nvPr/>
-        </p:nvSpPr>
-        <p:spPr>
-          <a:xfrm>
-            <a:off x="2207869" y="590550"/>
-            <a:ext cx="4728261" cy="505267"/>
+            <a:off x="2971800" y="710580"/>
+            <a:ext cx="2971800" cy="627736"/>
           </a:xfrm>
           <a:prstGeom prst="rect">
             <a:avLst/>
           </a:prstGeom>
         </p:spPr>
         <p:txBody>
-          <a:bodyPr vert="horz" wrap="square" lIns="0" tIns="12700" rIns="0" bIns="0" rtlCol="0">
+          <a:bodyPr vert="horz" wrap="square" lIns="0" tIns="12065" rIns="0" bIns="0" rtlCol="0">
             <a:spAutoFit/>
           </a:bodyPr>
           <a:lstStyle/>
@@ -5153,16 +4751,548 @@
                 <a:spcPct val="100000"/>
               </a:lnSpc>
               <a:spcBef>
-                <a:spcPts val="100"/>
+                <a:spcPts val="95"/>
               </a:spcBef>
             </a:pPr>
             <a:r>
-              <a:rPr sz="3200" b="1" dirty="0">
-                <a:latin typeface="DejaVu Sans"/>
-                <a:cs typeface="DejaVu Sans"/>
-              </a:rPr>
-              <a:t>IPv4 Address Table</a:t>
-            </a:r>
+              <a:rPr sz="4000" b="1" spc="-10" dirty="0">
+                <a:solidFill>
+                  <a:schemeClr val="tx1"/>
+                </a:solidFill>
+                <a:latin typeface="Nimbus Sans L"/>
+                <a:cs typeface="Nimbus Sans L"/>
+              </a:rPr>
+              <a:t>Subnet</a:t>
+            </a:r>
+            <a:r>
+              <a:rPr sz="4000" b="1" spc="-25" dirty="0">
+                <a:solidFill>
+                  <a:schemeClr val="tx1"/>
+                </a:solidFill>
+                <a:latin typeface="Nimbus Sans L"/>
+                <a:cs typeface="Nimbus Sans L"/>
+              </a:rPr>
+              <a:t> </a:t>
+            </a:r>
+            <a:r>
+              <a:rPr sz="4000" b="1" spc="-5" dirty="0">
+                <a:solidFill>
+                  <a:schemeClr val="tx1"/>
+                </a:solidFill>
+                <a:latin typeface="Nimbus Sans L"/>
+                <a:cs typeface="Nimbus Sans L"/>
+              </a:rPr>
+              <a:t>mask</a:t>
+            </a:r>
+            <a:endParaRPr sz="4000" b="1" dirty="0">
+              <a:solidFill>
+                <a:schemeClr val="tx1"/>
+              </a:solidFill>
+              <a:latin typeface="Nimbus Sans L"/>
+              <a:cs typeface="Nimbus Sans L"/>
+            </a:endParaRPr>
+          </a:p>
+        </p:txBody>
+      </p:sp>
+      <p:sp>
+        <p:nvSpPr>
+          <p:cNvPr id="3" name="object 3"/>
+          <p:cNvSpPr txBox="1"/>
+          <p:nvPr/>
+        </p:nvSpPr>
+        <p:spPr>
+          <a:xfrm>
+            <a:off x="618540" y="1610995"/>
+            <a:ext cx="7116445" cy="2821925"/>
+          </a:xfrm>
+          <a:prstGeom prst="rect">
+            <a:avLst/>
+          </a:prstGeom>
+        </p:spPr>
+        <p:txBody>
+          <a:bodyPr vert="horz" wrap="square" lIns="0" tIns="33019" rIns="0" bIns="0" rtlCol="0">
+            <a:spAutoFit/>
+          </a:bodyPr>
+          <a:lstStyle/>
+          <a:p>
+            <a:pPr marL="12700" marR="5080" algn="just">
+              <a:lnSpc>
+                <a:spcPct val="92600"/>
+              </a:lnSpc>
+              <a:spcBef>
+                <a:spcPts val="259"/>
+              </a:spcBef>
+            </a:pPr>
+            <a:r>
+              <a:rPr sz="1800" spc="-5" dirty="0">
+                <a:latin typeface="Nimbus Sans L"/>
+                <a:cs typeface="Nimbus Sans L"/>
+              </a:rPr>
+              <a:t>Subnet </a:t>
+            </a:r>
+            <a:r>
+              <a:rPr sz="1800" dirty="0">
+                <a:latin typeface="Nimbus Sans L"/>
+                <a:cs typeface="Nimbus Sans L"/>
+              </a:rPr>
+              <a:t>mask </a:t>
+            </a:r>
+            <a:r>
+              <a:rPr sz="1800" spc="-5" dirty="0">
+                <a:latin typeface="Nimbus Sans L"/>
+                <a:cs typeface="Nimbus Sans L"/>
+              </a:rPr>
+              <a:t>also is </a:t>
+            </a:r>
+            <a:r>
+              <a:rPr sz="1800" dirty="0">
+                <a:latin typeface="Nimbus Sans L"/>
+                <a:cs typeface="Nimbus Sans L"/>
+              </a:rPr>
+              <a:t>32 </a:t>
+            </a:r>
+            <a:r>
+              <a:rPr sz="1800" spc="-5" dirty="0">
+                <a:latin typeface="Nimbus Sans L"/>
+                <a:cs typeface="Nimbus Sans L"/>
+              </a:rPr>
+              <a:t>bit </a:t>
+            </a:r>
+            <a:r>
+              <a:rPr sz="1800" spc="-20" dirty="0">
+                <a:latin typeface="Nimbus Sans L"/>
+                <a:cs typeface="Nimbus Sans L"/>
+              </a:rPr>
+              <a:t>number, </a:t>
+            </a:r>
+            <a:r>
+              <a:rPr sz="1800" dirty="0">
+                <a:latin typeface="Nimbus Sans L"/>
+                <a:cs typeface="Nimbus Sans L"/>
+              </a:rPr>
+              <a:t>every IP </a:t>
+            </a:r>
+            <a:r>
+              <a:rPr sz="1800" spc="-5" dirty="0">
+                <a:latin typeface="Nimbus Sans L"/>
+                <a:cs typeface="Nimbus Sans L"/>
+              </a:rPr>
+              <a:t>address </a:t>
+            </a:r>
+            <a:r>
+              <a:rPr sz="1800" dirty="0">
+                <a:latin typeface="Nimbus Sans L"/>
+                <a:cs typeface="Nimbus Sans L"/>
+              </a:rPr>
+              <a:t>has its own  </a:t>
+            </a:r>
+            <a:r>
+              <a:rPr sz="1800" spc="-5" dirty="0">
+                <a:latin typeface="Nimbus Sans L"/>
+                <a:cs typeface="Nimbus Sans L"/>
+              </a:rPr>
+              <a:t>subnet mask. Subnet </a:t>
+            </a:r>
+            <a:r>
+              <a:rPr sz="1800" dirty="0">
+                <a:latin typeface="Nimbus Sans L"/>
+                <a:cs typeface="Nimbus Sans L"/>
+              </a:rPr>
+              <a:t>mask </a:t>
+            </a:r>
+            <a:r>
+              <a:rPr sz="1800" spc="-5" dirty="0">
+                <a:latin typeface="Nimbus Sans L"/>
+                <a:cs typeface="Nimbus Sans L"/>
+              </a:rPr>
+              <a:t>helps </a:t>
+            </a:r>
+            <a:r>
+              <a:rPr sz="1800" dirty="0">
+                <a:latin typeface="Nimbus Sans L"/>
+                <a:cs typeface="Nimbus Sans L"/>
+              </a:rPr>
+              <a:t>to </a:t>
+            </a:r>
+            <a:r>
+              <a:rPr sz="1800" spc="-20" dirty="0">
+                <a:latin typeface="Nimbus Sans L"/>
+                <a:cs typeface="Nimbus Sans L"/>
+              </a:rPr>
+              <a:t>identify, </a:t>
+            </a:r>
+            <a:r>
+              <a:rPr sz="1800" dirty="0">
+                <a:latin typeface="Nimbus Sans L"/>
+                <a:cs typeface="Nimbus Sans L"/>
+              </a:rPr>
+              <a:t>how many bits </a:t>
+            </a:r>
+            <a:r>
+              <a:rPr sz="1800" spc="-5" dirty="0">
+                <a:latin typeface="Nimbus Sans L"/>
+                <a:cs typeface="Nimbus Sans L"/>
+              </a:rPr>
+              <a:t>out of 32  belongs </a:t>
+            </a:r>
+            <a:r>
+              <a:rPr sz="1800" dirty="0">
+                <a:latin typeface="Nimbus Sans L"/>
+                <a:cs typeface="Nimbus Sans L"/>
+              </a:rPr>
+              <a:t>to </a:t>
+            </a:r>
+            <a:r>
+              <a:rPr sz="1800" spc="-10" dirty="0">
+                <a:latin typeface="Nimbus Sans L"/>
+                <a:cs typeface="Nimbus Sans L"/>
+              </a:rPr>
+              <a:t>network </a:t>
+            </a:r>
+            <a:r>
+              <a:rPr sz="1800" spc="-5" dirty="0">
+                <a:latin typeface="Nimbus Sans L"/>
+                <a:cs typeface="Nimbus Sans L"/>
+              </a:rPr>
+              <a:t>and how many bits belong </a:t>
+            </a:r>
+            <a:r>
+              <a:rPr sz="1800" dirty="0">
+                <a:latin typeface="Nimbus Sans L"/>
+                <a:cs typeface="Nimbus Sans L"/>
+              </a:rPr>
+              <a:t>to</a:t>
+            </a:r>
+            <a:r>
+              <a:rPr sz="1800" spc="120" dirty="0">
+                <a:latin typeface="Nimbus Sans L"/>
+                <a:cs typeface="Nimbus Sans L"/>
+              </a:rPr>
+              <a:t> </a:t>
+            </a:r>
+            <a:r>
+              <a:rPr sz="1800" spc="-5" dirty="0">
+                <a:latin typeface="Nimbus Sans L"/>
+                <a:cs typeface="Nimbus Sans L"/>
+              </a:rPr>
+              <a:t>host.</a:t>
+            </a:r>
+            <a:endParaRPr sz="1800" dirty="0">
+              <a:latin typeface="Nimbus Sans L"/>
+              <a:cs typeface="Nimbus Sans L"/>
+            </a:endParaRPr>
+          </a:p>
+          <a:p>
+            <a:pPr>
+              <a:lnSpc>
+                <a:spcPct val="100000"/>
+              </a:lnSpc>
+              <a:spcBef>
+                <a:spcPts val="15"/>
+              </a:spcBef>
+            </a:pPr>
+            <a:endParaRPr sz="2900" dirty="0">
+              <a:latin typeface="Nimbus Sans L"/>
+              <a:cs typeface="Nimbus Sans L"/>
+            </a:endParaRPr>
+          </a:p>
+          <a:p>
+            <a:pPr marL="12700" marR="5080" algn="just">
+              <a:lnSpc>
+                <a:spcPct val="92500"/>
+              </a:lnSpc>
+            </a:pPr>
+            <a:r>
+              <a:rPr sz="1800" dirty="0">
+                <a:latin typeface="Nimbus Sans L"/>
+                <a:cs typeface="Nimbus Sans L"/>
+              </a:rPr>
+              <a:t>This </a:t>
+            </a:r>
+            <a:r>
+              <a:rPr sz="1800" spc="-50" dirty="0">
+                <a:latin typeface="Nimbus Sans L"/>
+                <a:cs typeface="Nimbus Sans L"/>
+              </a:rPr>
+              <a:t>way, </a:t>
+            </a:r>
+            <a:r>
+              <a:rPr sz="1800" dirty="0">
+                <a:latin typeface="Nimbus Sans L"/>
+                <a:cs typeface="Nimbus Sans L"/>
+              </a:rPr>
+              <a:t>the </a:t>
+            </a:r>
+            <a:r>
+              <a:rPr sz="1800" spc="-10" dirty="0">
+                <a:latin typeface="Nimbus Sans L"/>
+                <a:cs typeface="Nimbus Sans L"/>
+              </a:rPr>
+              <a:t>subnet </a:t>
+            </a:r>
+            <a:r>
+              <a:rPr sz="1800" spc="-5" dirty="0">
+                <a:latin typeface="Nimbus Sans L"/>
+                <a:cs typeface="Nimbus Sans L"/>
+              </a:rPr>
+              <a:t>mask is used </a:t>
+            </a:r>
+            <a:r>
+              <a:rPr sz="1800" dirty="0">
+                <a:latin typeface="Nimbus Sans L"/>
+                <a:cs typeface="Nimbus Sans L"/>
+              </a:rPr>
+              <a:t>by the TCP/IP </a:t>
+            </a:r>
+            <a:r>
+              <a:rPr sz="1800" spc="-5" dirty="0">
+                <a:latin typeface="Nimbus Sans L"/>
+                <a:cs typeface="Nimbus Sans L"/>
+              </a:rPr>
+              <a:t>protocol </a:t>
+            </a:r>
+            <a:r>
+              <a:rPr sz="1800" dirty="0">
+                <a:latin typeface="Nimbus Sans L"/>
+                <a:cs typeface="Nimbus Sans L"/>
+              </a:rPr>
+              <a:t>to </a:t>
+            </a:r>
+            <a:r>
+              <a:rPr sz="1800" spc="-5" dirty="0">
+                <a:latin typeface="Nimbus Sans L"/>
+                <a:cs typeface="Nimbus Sans L"/>
+              </a:rPr>
+              <a:t>determine whether </a:t>
+            </a:r>
+            <a:r>
+              <a:rPr sz="1800" dirty="0">
+                <a:latin typeface="Nimbus Sans L"/>
+                <a:cs typeface="Nimbus Sans L"/>
+              </a:rPr>
+              <a:t>a </a:t>
+            </a:r>
+            <a:r>
+              <a:rPr sz="1800" spc="-5" dirty="0">
+                <a:latin typeface="Nimbus Sans L"/>
+                <a:cs typeface="Nimbus Sans L"/>
+              </a:rPr>
+              <a:t>host </a:t>
+            </a:r>
+            <a:r>
+              <a:rPr sz="1800" dirty="0">
+                <a:latin typeface="Nimbus Sans L"/>
+                <a:cs typeface="Nimbus Sans L"/>
+              </a:rPr>
+              <a:t>is </a:t>
+            </a:r>
+            <a:r>
+              <a:rPr sz="1800" spc="-5" dirty="0">
+                <a:latin typeface="Nimbus Sans L"/>
+                <a:cs typeface="Nimbus Sans L"/>
+              </a:rPr>
+              <a:t>on </a:t>
+            </a:r>
+            <a:r>
+              <a:rPr sz="1800" dirty="0">
+                <a:latin typeface="Nimbus Sans L"/>
+                <a:cs typeface="Nimbus Sans L"/>
+              </a:rPr>
+              <a:t>the </a:t>
+            </a:r>
+            <a:r>
+              <a:rPr sz="1800" spc="-5" dirty="0">
+                <a:latin typeface="Nimbus Sans L"/>
+                <a:cs typeface="Nimbus Sans L"/>
+              </a:rPr>
+              <a:t>local subnet or on </a:t>
+            </a:r>
+            <a:r>
+              <a:rPr sz="1800" dirty="0">
+                <a:latin typeface="Nimbus Sans L"/>
+                <a:cs typeface="Nimbus Sans L"/>
+              </a:rPr>
+              <a:t>a </a:t>
+            </a:r>
+            <a:r>
+              <a:rPr sz="1800" spc="-5" dirty="0">
+                <a:latin typeface="Nimbus Sans L"/>
+                <a:cs typeface="Nimbus Sans L"/>
+              </a:rPr>
+              <a:t>remote  </a:t>
+            </a:r>
+            <a:r>
+              <a:rPr sz="1800" spc="-10" dirty="0">
+                <a:latin typeface="Nimbus Sans L"/>
+                <a:cs typeface="Nimbus Sans L"/>
+              </a:rPr>
+              <a:t>network.</a:t>
+            </a:r>
+            <a:endParaRPr sz="1800" dirty="0">
+              <a:latin typeface="Nimbus Sans L"/>
+              <a:cs typeface="Nimbus Sans L"/>
+            </a:endParaRPr>
+          </a:p>
+          <a:p>
+            <a:pPr>
+              <a:lnSpc>
+                <a:spcPct val="100000"/>
+              </a:lnSpc>
+              <a:spcBef>
+                <a:spcPts val="40"/>
+              </a:spcBef>
+            </a:pPr>
+            <a:endParaRPr sz="2750" dirty="0">
+              <a:latin typeface="Nimbus Sans L"/>
+              <a:cs typeface="Nimbus Sans L"/>
+            </a:endParaRPr>
+          </a:p>
+          <a:p>
+            <a:pPr marL="12700" algn="just">
+              <a:lnSpc>
+                <a:spcPct val="100000"/>
+              </a:lnSpc>
+            </a:pPr>
+            <a:r>
+              <a:rPr sz="1800" spc="-5" dirty="0">
+                <a:latin typeface="Nimbus Sans L"/>
+                <a:cs typeface="Nimbus Sans L"/>
+              </a:rPr>
+              <a:t>IPv4 are divided into </a:t>
+            </a:r>
+            <a:r>
+              <a:rPr sz="1800" dirty="0">
+                <a:latin typeface="Nimbus Sans L"/>
+                <a:cs typeface="Nimbus Sans L"/>
+              </a:rPr>
+              <a:t>5 </a:t>
+            </a:r>
+            <a:r>
+              <a:rPr sz="1800" spc="-5" dirty="0">
+                <a:latin typeface="Nimbus Sans L"/>
+                <a:cs typeface="Nimbus Sans L"/>
+              </a:rPr>
+              <a:t>classes such as Class A, </a:t>
+            </a:r>
+            <a:r>
+              <a:rPr sz="1800" dirty="0">
+                <a:latin typeface="Nimbus Sans L"/>
+                <a:cs typeface="Nimbus Sans L"/>
+              </a:rPr>
+              <a:t>B, </a:t>
+            </a:r>
+            <a:r>
+              <a:rPr sz="1800" spc="-5" dirty="0">
+                <a:latin typeface="Nimbus Sans L"/>
+                <a:cs typeface="Nimbus Sans L"/>
+              </a:rPr>
+              <a:t>C, </a:t>
+            </a:r>
+            <a:r>
+              <a:rPr sz="1800" dirty="0">
+                <a:latin typeface="Nimbus Sans L"/>
+                <a:cs typeface="Nimbus Sans L"/>
+              </a:rPr>
+              <a:t>D </a:t>
+            </a:r>
+            <a:r>
+              <a:rPr sz="1800" spc="-10" dirty="0">
+                <a:latin typeface="Nimbus Sans L"/>
+                <a:cs typeface="Nimbus Sans L"/>
+              </a:rPr>
+              <a:t>and</a:t>
+            </a:r>
+            <a:r>
+              <a:rPr sz="1800" spc="-40" dirty="0">
+                <a:latin typeface="Nimbus Sans L"/>
+                <a:cs typeface="Nimbus Sans L"/>
+              </a:rPr>
+              <a:t> </a:t>
+            </a:r>
+            <a:r>
+              <a:rPr sz="1800" dirty="0">
+                <a:latin typeface="Nimbus Sans L"/>
+                <a:cs typeface="Nimbus Sans L"/>
+              </a:rPr>
+              <a:t>E</a:t>
+            </a:r>
+          </a:p>
+          <a:p>
+            <a:pPr marL="12700" algn="just">
+              <a:lnSpc>
+                <a:spcPct val="100000"/>
+              </a:lnSpc>
+              <a:spcBef>
+                <a:spcPts val="635"/>
+              </a:spcBef>
+            </a:pPr>
+            <a:r>
+              <a:rPr sz="1800" spc="-5" dirty="0">
+                <a:latin typeface="Nimbus Sans L"/>
+                <a:cs typeface="Nimbus Sans L"/>
+              </a:rPr>
+              <a:t>Class A, </a:t>
+            </a:r>
+            <a:r>
+              <a:rPr sz="1800" dirty="0">
+                <a:latin typeface="Nimbus Sans L"/>
+                <a:cs typeface="Nimbus Sans L"/>
+              </a:rPr>
+              <a:t>B </a:t>
+            </a:r>
+            <a:r>
+              <a:rPr sz="1800" spc="-5" dirty="0">
+                <a:latin typeface="Nimbus Sans L"/>
+                <a:cs typeface="Nimbus Sans L"/>
+              </a:rPr>
+              <a:t>and </a:t>
+            </a:r>
+            <a:r>
+              <a:rPr sz="1800" dirty="0">
+                <a:latin typeface="Nimbus Sans L"/>
+                <a:cs typeface="Nimbus Sans L"/>
+              </a:rPr>
+              <a:t>C are </a:t>
+            </a:r>
+            <a:r>
+              <a:rPr sz="1800" spc="-5" dirty="0">
+                <a:latin typeface="Nimbus Sans L"/>
+                <a:cs typeface="Nimbus Sans L"/>
+              </a:rPr>
+              <a:t>used </a:t>
+            </a:r>
+            <a:r>
+              <a:rPr sz="1800" dirty="0">
+                <a:latin typeface="Nimbus Sans L"/>
+                <a:cs typeface="Nimbus Sans L"/>
+              </a:rPr>
+              <a:t>for </a:t>
+            </a:r>
+            <a:r>
+              <a:rPr sz="1800" spc="-5" dirty="0">
+                <a:latin typeface="Nimbus Sans L"/>
+                <a:cs typeface="Nimbus Sans L"/>
+              </a:rPr>
+              <a:t>commercial</a:t>
+            </a:r>
+            <a:r>
+              <a:rPr sz="1800" spc="-75" dirty="0">
+                <a:latin typeface="Nimbus Sans L"/>
+                <a:cs typeface="Nimbus Sans L"/>
+              </a:rPr>
+              <a:t> </a:t>
+            </a:r>
+            <a:r>
+              <a:rPr sz="1800" spc="-5" dirty="0">
+                <a:latin typeface="Nimbus Sans L"/>
+                <a:cs typeface="Nimbus Sans L"/>
+              </a:rPr>
+              <a:t>purposes.</a:t>
+            </a:r>
+            <a:endParaRPr sz="1800" dirty="0">
+              <a:latin typeface="Nimbus Sans L"/>
+              <a:cs typeface="Nimbus Sans L"/>
+            </a:endParaRPr>
           </a:p>
         </p:txBody>
       </p:sp>
@@ -5199,8 +5329,8 @@
         </p:nvSpPr>
         <p:spPr>
           <a:xfrm>
-            <a:off x="684275" y="1128522"/>
-            <a:ext cx="6551676" cy="3957828"/>
+            <a:off x="1377696" y="1039368"/>
+            <a:ext cx="6388608" cy="4104132"/>
           </a:xfrm>
           <a:prstGeom prst="rect">
             <a:avLst/>
@@ -5228,8 +5358,8 @@
         </p:nvSpPr>
         <p:spPr>
           <a:xfrm>
-            <a:off x="762406" y="748030"/>
-            <a:ext cx="2901315" cy="299720"/>
+            <a:off x="2207869" y="590550"/>
+            <a:ext cx="4728261" cy="505267"/>
           </a:xfrm>
           <a:prstGeom prst="rect">
             <a:avLst/>
@@ -5250,37 +5380,12 @@
               </a:spcBef>
             </a:pPr>
             <a:r>
-              <a:rPr sz="1800" b="1" spc="-5" dirty="0">
-                <a:latin typeface="Nimbus Sans L"/>
-                <a:cs typeface="Nimbus Sans L"/>
-              </a:rPr>
-              <a:t>Class </a:t>
-            </a:r>
-            <a:r>
-              <a:rPr sz="1800" b="1" dirty="0">
-                <a:latin typeface="Nimbus Sans L"/>
-                <a:cs typeface="Nimbus Sans L"/>
-              </a:rPr>
-              <a:t>A Host/Subnet</a:t>
-            </a:r>
-            <a:r>
-              <a:rPr sz="1800" b="1" spc="-210" dirty="0">
-                <a:latin typeface="Nimbus Sans L"/>
-                <a:cs typeface="Nimbus Sans L"/>
-              </a:rPr>
-              <a:t> </a:t>
-            </a:r>
-            <a:r>
-              <a:rPr sz="1800" b="1" spc="-25" dirty="0">
-                <a:latin typeface="Nimbus Sans L"/>
-                <a:cs typeface="Nimbus Sans L"/>
-              </a:rPr>
-              <a:t>Table</a:t>
-            </a:r>
-            <a:endParaRPr sz="1800" dirty="0">
-              <a:latin typeface="Nimbus Sans L"/>
-              <a:cs typeface="Nimbus Sans L"/>
-            </a:endParaRPr>
+              <a:rPr sz="3200" b="1" dirty="0">
+                <a:latin typeface="DejaVu Sans"/>
+                <a:cs typeface="DejaVu Sans"/>
+              </a:rPr>
+              <a:t>IPv4 Address Table</a:t>
+            </a:r>
           </a:p>
         </p:txBody>
       </p:sp>
@@ -5312,13 +5417,57 @@
       <p:sp>
         <p:nvSpPr>
           <p:cNvPr id="2" name="object 2"/>
+          <p:cNvSpPr txBox="1">
+            <a:spLocks noGrp="1"/>
+          </p:cNvSpPr>
+          <p:nvPr>
+            <p:ph type="title"/>
+          </p:nvPr>
+        </p:nvSpPr>
+        <p:spPr>
+          <a:xfrm>
+            <a:off x="611821" y="634275"/>
+            <a:ext cx="2159635" cy="330835"/>
+          </a:xfrm>
+          <a:prstGeom prst="rect">
+            <a:avLst/>
+          </a:prstGeom>
+        </p:spPr>
+        <p:txBody>
+          <a:bodyPr vert="horz" wrap="square" lIns="0" tIns="13335" rIns="0" bIns="0" rtlCol="0">
+            <a:spAutoFit/>
+          </a:bodyPr>
+          <a:lstStyle/>
+          <a:p>
+            <a:pPr marL="12700">
+              <a:lnSpc>
+                <a:spcPct val="100000"/>
+              </a:lnSpc>
+              <a:spcBef>
+                <a:spcPts val="105"/>
+              </a:spcBef>
+            </a:pPr>
+            <a:r>
+              <a:rPr sz="2000" b="1" dirty="0">
+                <a:solidFill>
+                  <a:schemeClr val="tx1"/>
+                </a:solidFill>
+              </a:rPr>
+              <a:t>Private IP Addresses</a:t>
+            </a:r>
+          </a:p>
+        </p:txBody>
+      </p:sp>
+      <p:sp>
+        <p:nvSpPr>
+          <p:cNvPr id="4" name="object 4"/>
           <p:cNvSpPr/>
           <p:nvPr/>
         </p:nvSpPr>
         <p:spPr>
           <a:xfrm>
-            <a:off x="684275" y="1482090"/>
-            <a:ext cx="7810500" cy="3528060"/>
+            <a:off x="1691639" y="3638550"/>
+            <a:ext cx="5394961" cy="1447800"/>
           </a:xfrm>
           <a:prstGeom prst="rect">
             <a:avLst/>
@@ -5340,65 +5489,71 @@
       </p:sp>
       <p:sp>
         <p:nvSpPr>
-          <p:cNvPr id="3" name="object 3"/>
+          <p:cNvPr id="6" name="TextBox 5">
+            <a:extLst>
+              <a:ext uri="{FF2B5EF4-FFF2-40B4-BE49-F238E27FC236}">
+                <a16:creationId xmlns:a16="http://schemas.microsoft.com/office/drawing/2014/main" id="{D5D7B82F-E4AD-46D5-8B75-D57A9D32F5CD}"/>
+              </a:ext>
+            </a:extLst>
+          </p:cNvPr>
           <p:cNvSpPr txBox="1"/>
           <p:nvPr/>
         </p:nvSpPr>
         <p:spPr>
           <a:xfrm>
-            <a:off x="762406" y="930529"/>
-            <a:ext cx="2917825" cy="299720"/>
+            <a:off x="533400" y="965110"/>
+            <a:ext cx="8382000" cy="2585323"/>
           </a:xfrm>
           <a:prstGeom prst="rect">
             <a:avLst/>
           </a:prstGeom>
+          <a:noFill/>
         </p:spPr>
         <p:txBody>
-          <a:bodyPr vert="horz" wrap="square" lIns="0" tIns="12700" rIns="0" bIns="0" rtlCol="0">
+          <a:bodyPr wrap="square">
             <a:spAutoFit/>
           </a:bodyPr>
           <a:lstStyle/>
           <a:p>
-            <a:pPr marL="12700">
-              <a:lnSpc>
-                <a:spcPct val="100000"/>
-              </a:lnSpc>
-              <a:spcBef>
-                <a:spcPts val="100"/>
-              </a:spcBef>
-            </a:pPr>
-            <a:r>
-              <a:rPr sz="1800" b="1" spc="-5" dirty="0">
-                <a:latin typeface="Nimbus Sans L"/>
-                <a:cs typeface="Nimbus Sans L"/>
-              </a:rPr>
-              <a:t>Class </a:t>
-            </a:r>
-            <a:r>
-              <a:rPr sz="1800" b="1" dirty="0">
-                <a:latin typeface="Nimbus Sans L"/>
-                <a:cs typeface="Nimbus Sans L"/>
-              </a:rPr>
-              <a:t>B Host/Subnet</a:t>
-            </a:r>
-            <a:r>
-              <a:rPr sz="1800" b="1" spc="-60" dirty="0">
-                <a:latin typeface="Nimbus Sans L"/>
-                <a:cs typeface="Nimbus Sans L"/>
-              </a:rPr>
-              <a:t> </a:t>
-            </a:r>
-            <a:r>
-              <a:rPr sz="1800" b="1" spc="-30" dirty="0">
-                <a:latin typeface="Nimbus Sans L"/>
-                <a:cs typeface="Nimbus Sans L"/>
-              </a:rPr>
-              <a:t>Table</a:t>
-            </a:r>
-            <a:endParaRPr sz="1800" dirty="0">
-              <a:latin typeface="Nimbus Sans L"/>
-              <a:cs typeface="Nimbus Sans L"/>
-            </a:endParaRPr>
+            <a:r>
+              <a:rPr lang="en-US" dirty="0"/>
+              <a:t>A private IP address is an IP address that's reserved for internal use behind  a router or other Network Address Translation (NAT) devices.</a:t>
+            </a:r>
+          </a:p>
+          <a:p>
+            <a:endParaRPr lang="en-US" dirty="0"/>
+          </a:p>
+          <a:p>
+            <a:r>
+              <a:rPr lang="en-US" sz="1800" b="1" dirty="0">
+                <a:solidFill>
+                  <a:schemeClr val="tx1"/>
+                </a:solidFill>
+              </a:rPr>
+              <a:t>Public IP Addresses</a:t>
+            </a:r>
+            <a:endParaRPr lang="en-US" dirty="0"/>
+          </a:p>
+          <a:p>
+            <a:r>
+              <a:rPr lang="en-US" dirty="0"/>
+              <a:t>Public IP addresses are allocated to Internet faced routers and Servers, which can be able to access internet directly.</a:t>
+            </a:r>
+          </a:p>
+          <a:p>
+            <a:endParaRPr lang="en-US" dirty="0"/>
+          </a:p>
+          <a:p>
+            <a:r>
+              <a:rPr lang="en-US" dirty="0"/>
+              <a:t>The Internet Assigned Numbers Authority (IANA) reserves the following IP address</a:t>
+            </a:r>
+          </a:p>
+          <a:p>
+            <a:r>
+              <a:rPr lang="en-US" dirty="0"/>
+              <a:t>blocks for use as private IP addresses:</a:t>
+            </a:r>
           </a:p>
         </p:txBody>
       </p:sp>
@@ -5435,8 +5590,8 @@
         </p:nvSpPr>
         <p:spPr>
           <a:xfrm>
-            <a:off x="684275" y="1719834"/>
-            <a:ext cx="7659624" cy="2375916"/>
+            <a:off x="684275" y="1128522"/>
+            <a:ext cx="6551676" cy="3957828"/>
           </a:xfrm>
           <a:prstGeom prst="rect">
             <a:avLst/>
@@ -5464,8 +5619,8 @@
         </p:nvSpPr>
         <p:spPr>
           <a:xfrm>
-            <a:off x="762406" y="1095121"/>
-            <a:ext cx="2917825" cy="299720"/>
+            <a:off x="762406" y="748030"/>
+            <a:ext cx="2901315" cy="299720"/>
           </a:xfrm>
           <a:prstGeom prst="rect">
             <a:avLst/>
@@ -5497,23 +5652,23 @@
                 <a:latin typeface="Nimbus Sans L"/>
                 <a:cs typeface="Nimbus Sans L"/>
               </a:rPr>
-              <a:t>C Host/Subnet</a:t>
-            </a:r>
-            <a:r>
-              <a:rPr sz="1800" b="1" spc="-60" dirty="0">
+              <a:t>A Host/Subnet</a:t>
+            </a:r>
+            <a:r>
+              <a:rPr sz="1800" b="1" spc="-210" dirty="0">
                 <a:latin typeface="Nimbus Sans L"/>
                 <a:cs typeface="Nimbus Sans L"/>
               </a:rPr>
               <a:t> </a:t>
             </a:r>
             <a:r>
-              <a:rPr sz="1800" b="1" spc="-30" dirty="0">
+              <a:rPr sz="1800" b="1" spc="-25" dirty="0">
                 <a:latin typeface="Nimbus Sans L"/>
                 <a:cs typeface="Nimbus Sans L"/>
               </a:rPr>
               <a:t>Table</a:t>
             </a:r>
-            <a:endParaRPr sz="1800" b="1" dirty="0">
+            <a:endParaRPr sz="1800" dirty="0">
               <a:latin typeface="Nimbus Sans L"/>
               <a:cs typeface="Nimbus Sans L"/>
             </a:endParaRPr>
@@ -5548,57 +5703,13 @@
       <p:sp>
         <p:nvSpPr>
           <p:cNvPr id="2" name="object 2"/>
-          <p:cNvSpPr txBox="1">
-            <a:spLocks noGrp="1"/>
-          </p:cNvSpPr>
-          <p:nvPr>
-            <p:ph type="title"/>
-          </p:nvPr>
+          <p:cNvSpPr/>
+          <p:nvPr/>
         </p:nvSpPr>
         <p:spPr>
           <a:xfrm>
-            <a:off x="611821" y="634275"/>
-            <a:ext cx="2159635" cy="330835"/>
-          </a:xfrm>
-          <a:prstGeom prst="rect">
-            <a:avLst/>
-          </a:prstGeom>
-        </p:spPr>
-        <p:txBody>
-          <a:bodyPr vert="horz" wrap="square" lIns="0" tIns="13335" rIns="0" bIns="0" rtlCol="0">
-            <a:spAutoFit/>
-          </a:bodyPr>
-          <a:lstStyle/>
-          <a:p>
-            <a:pPr marL="12700">
-              <a:lnSpc>
-                <a:spcPct val="100000"/>
-              </a:lnSpc>
-              <a:spcBef>
-                <a:spcPts val="105"/>
-              </a:spcBef>
-            </a:pPr>
-            <a:r>
-              <a:rPr sz="2000" b="1" dirty="0">
-                <a:solidFill>
-                  <a:schemeClr val="tx1"/>
-                </a:solidFill>
-              </a:rPr>
-              <a:t>Private IP Addresses</a:t>
-            </a:r>
-          </a:p>
-        </p:txBody>
-      </p:sp>
-      <p:sp>
-        <p:nvSpPr>
-          <p:cNvPr id="4" name="object 4"/>
-          <p:cNvSpPr/>
-          <p:nvPr/>
-        </p:nvSpPr>
-        <p:spPr>
-          <a:xfrm>
-            <a:off x="1691639" y="3638550"/>
-            <a:ext cx="5394961" cy="1447800"/>
+            <a:off x="684275" y="1482090"/>
+            <a:ext cx="7810500" cy="3528060"/>
           </a:xfrm>
           <a:prstGeom prst="rect">
             <a:avLst/>
@@ -5620,71 +5731,65 @@
       </p:sp>
       <p:sp>
         <p:nvSpPr>
-          <p:cNvPr id="6" name="TextBox 5">
-            <a:extLst>
-              <a:ext uri="{FF2B5EF4-FFF2-40B4-BE49-F238E27FC236}">
-                <a16:creationId xmlns:a16="http://schemas.microsoft.com/office/drawing/2014/main" id="{D5D7B82F-E4AD-46D5-8B75-D57A9D32F5CD}"/>
-              </a:ext>
-            </a:extLst>
-          </p:cNvPr>
+          <p:cNvPr id="3" name="object 3"/>
           <p:cNvSpPr txBox="1"/>
           <p:nvPr/>
         </p:nvSpPr>
         <p:spPr>
           <a:xfrm>
-            <a:off x="533400" y="965110"/>
-            <a:ext cx="8382000" cy="2585323"/>
+            <a:off x="762406" y="930529"/>
+            <a:ext cx="2917825" cy="299720"/>
           </a:xfrm>
           <a:prstGeom prst="rect">
             <a:avLst/>
           </a:prstGeom>
-          <a:noFill/>
         </p:spPr>
         <p:txBody>
-          <a:bodyPr wrap="square">
+          <a:bodyPr vert="horz" wrap="square" lIns="0" tIns="12700" rIns="0" bIns="0" rtlCol="0">
             <a:spAutoFit/>
           </a:bodyPr>
           <a:lstStyle/>
           <a:p>
-            <a:r>
-              <a:rPr lang="en-US" dirty="0"/>
-              <a:t>A private IP address is an IP address that's reserved for internal use behind  a router or other Network Address Translation (NAT) devices.</a:t>
-            </a:r>
-          </a:p>
-          <a:p>
-            <a:endParaRPr lang="en-US" dirty="0"/>
-          </a:p>
-          <a:p>
-            <a:r>
-              <a:rPr lang="en-US" sz="1800" b="1" dirty="0">
-                <a:solidFill>
-                  <a:schemeClr val="tx1"/>
-                </a:solidFill>
-              </a:rPr>
-              <a:t>Public IP Addresses</a:t>
-            </a:r>
-            <a:endParaRPr lang="en-US" dirty="0"/>
-          </a:p>
-          <a:p>
-            <a:r>
-              <a:rPr lang="en-US" dirty="0"/>
-              <a:t>Public IP addresses are allocated to Internet faced routers and Servers, which can be able to access internet directly.</a:t>
-            </a:r>
-          </a:p>
-          <a:p>
-            <a:endParaRPr lang="en-US" dirty="0"/>
-          </a:p>
-          <a:p>
-            <a:r>
-              <a:rPr lang="en-US" dirty="0"/>
-              <a:t>The Internet Assigned Numbers Authority (IANA) reserves the following IP address</a:t>
-            </a:r>
-          </a:p>
-          <a:p>
-            <a:r>
-              <a:rPr lang="en-US" dirty="0"/>
-              <a:t>blocks for use as private IP addresses:</a:t>
-            </a:r>
+            <a:pPr marL="12700">
+              <a:lnSpc>
+                <a:spcPct val="100000"/>
+              </a:lnSpc>
+              <a:spcBef>
+                <a:spcPts val="100"/>
+              </a:spcBef>
+            </a:pPr>
+            <a:r>
+              <a:rPr sz="1800" b="1" spc="-5" dirty="0">
+                <a:latin typeface="Nimbus Sans L"/>
+                <a:cs typeface="Nimbus Sans L"/>
+              </a:rPr>
+              <a:t>Class </a:t>
+            </a:r>
+            <a:r>
+              <a:rPr sz="1800" b="1" dirty="0">
+                <a:latin typeface="Nimbus Sans L"/>
+                <a:cs typeface="Nimbus Sans L"/>
+              </a:rPr>
+              <a:t>B Host/Subnet</a:t>
+            </a:r>
+            <a:r>
+              <a:rPr sz="1800" b="1" spc="-60" dirty="0">
+                <a:latin typeface="Nimbus Sans L"/>
+                <a:cs typeface="Nimbus Sans L"/>
+              </a:rPr>
+              <a:t> </a:t>
+            </a:r>
+            <a:r>
+              <a:rPr sz="1800" b="1" spc="-30" dirty="0">
+                <a:latin typeface="Nimbus Sans L"/>
+                <a:cs typeface="Nimbus Sans L"/>
+              </a:rPr>
+              <a:t>Table</a:t>
+            </a:r>
+            <a:endParaRPr sz="1800" dirty="0">
+              <a:latin typeface="Nimbus Sans L"/>
+              <a:cs typeface="Nimbus Sans L"/>
+            </a:endParaRPr>
           </a:p>
         </p:txBody>
       </p:sp>
@@ -5716,24 +5821,49 @@
       <p:sp>
         <p:nvSpPr>
           <p:cNvPr id="2" name="object 2"/>
-          <p:cNvSpPr txBox="1">
-            <a:spLocks noGrp="1"/>
-          </p:cNvSpPr>
-          <p:nvPr>
-            <p:ph type="title"/>
-          </p:nvPr>
+          <p:cNvSpPr/>
+          <p:nvPr/>
         </p:nvSpPr>
         <p:spPr>
           <a:xfrm>
-            <a:off x="634695" y="716915"/>
-            <a:ext cx="2435860" cy="330835"/>
+            <a:off x="684275" y="1719834"/>
+            <a:ext cx="7659624" cy="2375916"/>
+          </a:xfrm>
+          <a:prstGeom prst="rect">
+            <a:avLst/>
+          </a:prstGeom>
+          <a:blipFill>
+            <a:blip r:embed="rId2" cstate="print"/>
+            <a:stretch>
+              <a:fillRect/>
+            </a:stretch>
+          </a:blipFill>
+        </p:spPr>
+        <p:txBody>
+          <a:bodyPr wrap="square" lIns="0" tIns="0" rIns="0" bIns="0" rtlCol="0"/>
+          <a:lstStyle/>
+          <a:p>
+            <a:endParaRPr/>
+          </a:p>
+        </p:txBody>
+      </p:sp>
+      <p:sp>
+        <p:nvSpPr>
+          <p:cNvPr id="3" name="object 3"/>
+          <p:cNvSpPr txBox="1"/>
+          <p:nvPr/>
+        </p:nvSpPr>
+        <p:spPr>
+          <a:xfrm>
+            <a:off x="762406" y="1095121"/>
+            <a:ext cx="2917825" cy="299720"/>
           </a:xfrm>
           <a:prstGeom prst="rect">
             <a:avLst/>
           </a:prstGeom>
         </p:spPr>
         <p:txBody>
-          <a:bodyPr vert="horz" wrap="square" lIns="0" tIns="13335" rIns="0" bIns="0" rtlCol="0">
+          <a:bodyPr vert="horz" wrap="square" lIns="0" tIns="12700" rIns="0" bIns="0" rtlCol="0">
             <a:spAutoFit/>
           </a:bodyPr>
           <a:lstStyle/>
@@ -5743,170 +5873,40 @@
                 <a:spcPct val="100000"/>
               </a:lnSpc>
               <a:spcBef>
-                <a:spcPts val="105"/>
+                <a:spcPts val="100"/>
               </a:spcBef>
             </a:pPr>
             <a:r>
-              <a:rPr sz="2000" b="1" dirty="0">
-                <a:solidFill>
-                  <a:schemeClr val="tx1"/>
-                </a:solidFill>
-              </a:rPr>
-              <a:t>Reserved IP addresses:</a:t>
-            </a:r>
-            <a:endParaRPr sz="2000" b="1">
-              <a:solidFill>
-                <a:schemeClr val="tx1"/>
-              </a:solidFill>
-            </a:endParaRPr>
-          </a:p>
-        </p:txBody>
-      </p:sp>
-      <p:sp>
-        <p:nvSpPr>
-          <p:cNvPr id="3" name="object 3"/>
-          <p:cNvSpPr txBox="1"/>
-          <p:nvPr/>
-        </p:nvSpPr>
-        <p:spPr>
-          <a:xfrm>
-            <a:off x="636219" y="1116965"/>
-            <a:ext cx="8126730" cy="3867150"/>
-          </a:xfrm>
-          <a:prstGeom prst="rect">
-            <a:avLst/>
-          </a:prstGeom>
-        </p:spPr>
-        <p:txBody>
-          <a:bodyPr vert="horz" wrap="square" lIns="0" tIns="134620" rIns="0" bIns="0" rtlCol="0">
-            <a:spAutoFit/>
-          </a:bodyPr>
-          <a:lstStyle/>
-          <a:p>
-            <a:pPr marL="12700">
-              <a:lnSpc>
-                <a:spcPct val="100000"/>
-              </a:lnSpc>
-              <a:spcBef>
-                <a:spcPts val="1060"/>
-              </a:spcBef>
-            </a:pPr>
+              <a:rPr sz="1800" b="1" spc="-5" dirty="0">
+                <a:latin typeface="Nimbus Sans L"/>
+                <a:cs typeface="Nimbus Sans L"/>
+              </a:rPr>
+              <a:t>Class </a:t>
+            </a:r>
             <a:r>
               <a:rPr sz="1800" b="1" dirty="0">
-                <a:latin typeface="DejaVu Sans"/>
-                <a:cs typeface="DejaVu Sans"/>
-              </a:rPr>
-              <a:t>Loopback Addresses</a:t>
-            </a:r>
-            <a:endParaRPr sz="1800">
-              <a:latin typeface="DejaVu Sans"/>
-              <a:cs typeface="DejaVu Sans"/>
-            </a:endParaRPr>
-          </a:p>
-          <a:p>
-            <a:pPr marL="12700" marR="8255">
-              <a:lnSpc>
-                <a:spcPct val="106700"/>
-              </a:lnSpc>
-              <a:spcBef>
-                <a:spcPts val="815"/>
-              </a:spcBef>
-            </a:pPr>
-            <a:r>
-              <a:rPr sz="1800" dirty="0">
-                <a:latin typeface="DejaVu Sans"/>
-                <a:cs typeface="DejaVu Sans"/>
-              </a:rPr>
-              <a:t>The IP address range 127.0.0.0 – 127.255.255.255 is reserved for loopback, i.e. a Host’s  self-address, also known as localhost address.</a:t>
-            </a:r>
-            <a:endParaRPr sz="1800">
-              <a:latin typeface="DejaVu Sans"/>
-              <a:cs typeface="DejaVu Sans"/>
-            </a:endParaRPr>
-          </a:p>
-          <a:p>
-            <a:pPr marL="12700" marR="8255">
-              <a:lnSpc>
-                <a:spcPct val="106700"/>
-              </a:lnSpc>
-              <a:spcBef>
-                <a:spcPts val="815"/>
-              </a:spcBef>
-            </a:pPr>
-            <a:r>
-              <a:rPr sz="1800" dirty="0">
-                <a:latin typeface="DejaVu Sans"/>
-                <a:cs typeface="DejaVu Sans"/>
-              </a:rPr>
-              <a:t>Loopback addresses, enable the Server and Client processes on a single system to  communicate</a:t>
-            </a:r>
-            <a:endParaRPr sz="1800">
-              <a:latin typeface="DejaVu Sans"/>
-              <a:cs typeface="DejaVu Sans"/>
-            </a:endParaRPr>
-          </a:p>
-          <a:p>
-            <a:pPr>
-              <a:lnSpc>
-                <a:spcPct val="100000"/>
-              </a:lnSpc>
-            </a:pPr>
-            <a:endParaRPr sz="1800">
-              <a:latin typeface="DejaVu Sans"/>
-              <a:cs typeface="DejaVu Sans"/>
-            </a:endParaRPr>
-          </a:p>
-          <a:p>
-            <a:pPr>
-              <a:lnSpc>
-                <a:spcPct val="100000"/>
-              </a:lnSpc>
-              <a:spcBef>
-                <a:spcPts val="55"/>
-              </a:spcBef>
-            </a:pPr>
-            <a:endParaRPr sz="1650">
-              <a:latin typeface="DejaVu Sans"/>
-              <a:cs typeface="DejaVu Sans"/>
-            </a:endParaRPr>
-          </a:p>
-          <a:p>
-            <a:pPr marL="12700" algn="just">
-              <a:lnSpc>
-                <a:spcPct val="100000"/>
-              </a:lnSpc>
-            </a:pPr>
-            <a:r>
-              <a:rPr sz="1800" b="1" dirty="0">
-                <a:latin typeface="DejaVu Sans"/>
-                <a:cs typeface="DejaVu Sans"/>
-              </a:rPr>
-              <a:t>Link-Local Addresses</a:t>
-            </a:r>
-            <a:endParaRPr sz="1800">
-              <a:latin typeface="DejaVu Sans"/>
-              <a:cs typeface="DejaVu Sans"/>
-            </a:endParaRPr>
-          </a:p>
-          <a:p>
-            <a:pPr marL="12700" marR="5080" algn="just">
-              <a:lnSpc>
-                <a:spcPct val="107100"/>
-              </a:lnSpc>
-              <a:spcBef>
-                <a:spcPts val="795"/>
-              </a:spcBef>
-            </a:pPr>
-            <a:r>
-              <a:rPr sz="1800" dirty="0">
-                <a:latin typeface="DejaVu Sans"/>
-                <a:cs typeface="DejaVu Sans"/>
-              </a:rPr>
-              <a:t>In case a host is not able to acquire an IP address from the DHCP server and it has not  been assigned any IP address manually, the host can assign itself an IP address from a  range of reserved Link-local addresses. Link local address ranges from 169.254.0.0 --  169.254.255.255.</a:t>
-            </a:r>
-            <a:endParaRPr sz="1800">
-              <a:latin typeface="DejaVu Sans"/>
-              <a:cs typeface="DejaVu Sans"/>
+                <a:latin typeface="Nimbus Sans L"/>
+                <a:cs typeface="Nimbus Sans L"/>
+              </a:rPr>
+              <a:t>C Host/Subnet</a:t>
+            </a:r>
+            <a:r>
+              <a:rPr sz="1800" b="1" spc="-60" dirty="0">
+                <a:latin typeface="Nimbus Sans L"/>
+                <a:cs typeface="Nimbus Sans L"/>
+              </a:rPr>
+              <a:t> </a:t>
+            </a:r>
+            <a:r>
+              <a:rPr sz="1800" b="1" spc="-30" dirty="0">
+                <a:latin typeface="Nimbus Sans L"/>
+                <a:cs typeface="Nimbus Sans L"/>
+              </a:rPr>
+              <a:t>Table</a:t>
+            </a:r>
+            <a:endParaRPr sz="1800" b="1" dirty="0">
+              <a:latin typeface="Nimbus Sans L"/>
+              <a:cs typeface="Nimbus Sans L"/>
             </a:endParaRPr>
           </a:p>
         </p:txBody>
